--- a/course_material/slides/021_review_verification.pptx
+++ b/course_material/slides/021_review_verification.pptx
@@ -4163,13 +4163,8 @@
           <a:p>
             <a:r>
               <a:rPr lang="en-US" dirty="0"/>
-              <a:t>Do things in smaller chunks, test if that works, </a:t>
-            </a:r>
-            <a:r>
-              <a:rPr lang="en-US"/>
-              <a:t>then move on. </a:t>
-            </a:r>
-            <a:endParaRPr lang="en-US" dirty="0"/>
+              <a:t>Do things in smaller chunks, test if that works, then move on. </a:t>
+            </a:r>
           </a:p>
         </p:txBody>
       </p:sp>
